--- a/mof_net/results/Results.pptx
+++ b/mof_net/results/Results.pptx
@@ -5148,117 +5148,6 @@
           </a:p>
         </p:txBody>
       </p:sp>
-      <p:grpSp>
-        <p:nvGrpSpPr>
-          <p:cNvPr id="12" name="Group 11">
-            <a:extLst>
-              <a:ext uri="{FF2B5EF4-FFF2-40B4-BE49-F238E27FC236}">
-                <a16:creationId xmlns:a16="http://schemas.microsoft.com/office/drawing/2014/main" id="{E8D017CD-A0AD-3236-637F-3EC6B55429C1}"/>
-              </a:ext>
-            </a:extLst>
-          </p:cNvPr>
-          <p:cNvGrpSpPr/>
-          <p:nvPr/>
-        </p:nvGrpSpPr>
-        <p:grpSpPr>
-          <a:xfrm>
-            <a:off x="0" y="1304602"/>
-            <a:ext cx="11940646" cy="2820217"/>
-            <a:chOff x="125677" y="1593222"/>
-            <a:chExt cx="11940646" cy="2820217"/>
-          </a:xfrm>
-        </p:grpSpPr>
-        <p:pic>
-          <p:nvPicPr>
-            <p:cNvPr id="5" name="Picture 4">
-              <a:extLst>
-                <a:ext uri="{FF2B5EF4-FFF2-40B4-BE49-F238E27FC236}">
-                  <a16:creationId xmlns:a16="http://schemas.microsoft.com/office/drawing/2014/main" id="{BE240AC1-9F88-4BD3-2993-E063CDBB667B}"/>
-                </a:ext>
-              </a:extLst>
-            </p:cNvPr>
-            <p:cNvPicPr>
-              <a:picLocks noChangeAspect="1"/>
-            </p:cNvPicPr>
-            <p:nvPr/>
-          </p:nvPicPr>
-          <p:blipFill>
-            <a:blip r:embed="rId2"/>
-            <a:stretch>
-              <a:fillRect/>
-            </a:stretch>
-          </p:blipFill>
-          <p:spPr>
-            <a:xfrm>
-              <a:off x="125677" y="1593222"/>
-              <a:ext cx="3867561" cy="2771088"/>
-            </a:xfrm>
-            <a:prstGeom prst="rect">
-              <a:avLst/>
-            </a:prstGeom>
-          </p:spPr>
-        </p:pic>
-        <p:pic>
-          <p:nvPicPr>
-            <p:cNvPr id="9" name="Picture 8">
-              <a:extLst>
-                <a:ext uri="{FF2B5EF4-FFF2-40B4-BE49-F238E27FC236}">
-                  <a16:creationId xmlns:a16="http://schemas.microsoft.com/office/drawing/2014/main" id="{58132E4A-12C7-AE9D-ACE2-FF6F79E7FD7A}"/>
-                </a:ext>
-              </a:extLst>
-            </p:cNvPr>
-            <p:cNvPicPr>
-              <a:picLocks noChangeAspect="1"/>
-            </p:cNvPicPr>
-            <p:nvPr/>
-          </p:nvPicPr>
-          <p:blipFill>
-            <a:blip r:embed="rId3"/>
-            <a:stretch>
-              <a:fillRect/>
-            </a:stretch>
-          </p:blipFill>
-          <p:spPr>
-            <a:xfrm>
-              <a:off x="8051037" y="1664055"/>
-              <a:ext cx="4015286" cy="2749384"/>
-            </a:xfrm>
-            <a:prstGeom prst="rect">
-              <a:avLst/>
-            </a:prstGeom>
-          </p:spPr>
-        </p:pic>
-        <p:pic>
-          <p:nvPicPr>
-            <p:cNvPr id="11" name="Picture 10">
-              <a:extLst>
-                <a:ext uri="{FF2B5EF4-FFF2-40B4-BE49-F238E27FC236}">
-                  <a16:creationId xmlns:a16="http://schemas.microsoft.com/office/drawing/2014/main" id="{9E7654C7-6A2B-DF57-947B-A39D1A08C9D7}"/>
-                </a:ext>
-              </a:extLst>
-            </p:cNvPr>
-            <p:cNvPicPr>
-              <a:picLocks noChangeAspect="1"/>
-            </p:cNvPicPr>
-            <p:nvPr/>
-          </p:nvPicPr>
-          <p:blipFill>
-            <a:blip r:embed="rId4"/>
-            <a:stretch>
-              <a:fillRect/>
-            </a:stretch>
-          </p:blipFill>
-          <p:spPr>
-            <a:xfrm>
-              <a:off x="4052617" y="1627373"/>
-              <a:ext cx="4037014" cy="2771087"/>
-            </a:xfrm>
-            <a:prstGeom prst="rect">
-              <a:avLst/>
-            </a:prstGeom>
-          </p:spPr>
-        </p:pic>
-      </p:grpSp>
       <p:sp>
         <p:nvSpPr>
           <p:cNvPr id="14" name="TextBox 13">
@@ -5487,115 +5376,837 @@
           </a:p>
         </p:txBody>
       </p:sp>
-      <p:sp>
-        <p:nvSpPr>
-          <p:cNvPr id="26" name="TextBox 25">
-            <a:extLst>
-              <a:ext uri="{FF2B5EF4-FFF2-40B4-BE49-F238E27FC236}">
-                <a16:creationId xmlns:a16="http://schemas.microsoft.com/office/drawing/2014/main" id="{9C7538B7-165F-6F05-96C6-A7C979930097}"/>
-              </a:ext>
-            </a:extLst>
-          </p:cNvPr>
-          <p:cNvSpPr txBox="1"/>
+      <p:grpSp>
+        <p:nvGrpSpPr>
+          <p:cNvPr id="42" name="Group 41">
+            <a:extLst>
+              <a:ext uri="{FF2B5EF4-FFF2-40B4-BE49-F238E27FC236}">
+                <a16:creationId xmlns:a16="http://schemas.microsoft.com/office/drawing/2014/main" id="{2BCD8BEE-9FEC-4099-30E8-4CDC64EC54F8}"/>
+              </a:ext>
+            </a:extLst>
+          </p:cNvPr>
+          <p:cNvGrpSpPr/>
           <p:nvPr/>
-        </p:nvSpPr>
-        <p:spPr>
+        </p:nvGrpSpPr>
+        <p:grpSpPr>
           <a:xfrm>
-            <a:off x="1818640" y="935270"/>
-            <a:ext cx="1087120" cy="369332"/>
+            <a:off x="0" y="935270"/>
+            <a:ext cx="11940646" cy="3189549"/>
+            <a:chOff x="0" y="935270"/>
+            <a:chExt cx="11940646" cy="3189549"/>
           </a:xfrm>
-          <a:prstGeom prst="rect">
-            <a:avLst/>
-          </a:prstGeom>
-          <a:noFill/>
-        </p:spPr>
-        <p:txBody>
-          <a:bodyPr wrap="square">
-            <a:spAutoFit/>
-          </a:bodyPr>
-          <a:lstStyle/>
-          <a:p>
-            <a:r>
-              <a:rPr lang="en-US" dirty="0"/>
-              <a:t>Target 1</a:t>
-            </a:r>
-          </a:p>
-        </p:txBody>
-      </p:sp>
-      <p:sp>
-        <p:nvSpPr>
-          <p:cNvPr id="27" name="TextBox 26">
-            <a:extLst>
-              <a:ext uri="{FF2B5EF4-FFF2-40B4-BE49-F238E27FC236}">
-                <a16:creationId xmlns:a16="http://schemas.microsoft.com/office/drawing/2014/main" id="{F4EC3CF1-B54D-4AB6-F451-F13AC3571E6A}"/>
-              </a:ext>
-            </a:extLst>
-          </p:cNvPr>
-          <p:cNvSpPr txBox="1"/>
-          <p:nvPr/>
-        </p:nvSpPr>
-        <p:spPr>
-          <a:xfrm>
-            <a:off x="5824220" y="956517"/>
-            <a:ext cx="1087120" cy="369332"/>
-          </a:xfrm>
-          <a:prstGeom prst="rect">
-            <a:avLst/>
-          </a:prstGeom>
-          <a:noFill/>
-        </p:spPr>
-        <p:txBody>
-          <a:bodyPr wrap="square">
-            <a:spAutoFit/>
-          </a:bodyPr>
-          <a:lstStyle/>
-          <a:p>
-            <a:r>
-              <a:rPr lang="en-US" dirty="0"/>
-              <a:t>Target 2</a:t>
-            </a:r>
-          </a:p>
-        </p:txBody>
-      </p:sp>
-      <p:sp>
-        <p:nvSpPr>
-          <p:cNvPr id="28" name="TextBox 27">
-            <a:extLst>
-              <a:ext uri="{FF2B5EF4-FFF2-40B4-BE49-F238E27FC236}">
-                <a16:creationId xmlns:a16="http://schemas.microsoft.com/office/drawing/2014/main" id="{D6115446-F2E1-72FF-0B19-41E71BBAA075}"/>
-              </a:ext>
-            </a:extLst>
-          </p:cNvPr>
-          <p:cNvSpPr txBox="1"/>
-          <p:nvPr/>
-        </p:nvSpPr>
-        <p:spPr>
-          <a:xfrm>
-            <a:off x="9767141" y="956517"/>
-            <a:ext cx="1087120" cy="369332"/>
-          </a:xfrm>
-          <a:prstGeom prst="rect">
-            <a:avLst/>
-          </a:prstGeom>
-          <a:noFill/>
-        </p:spPr>
-        <p:txBody>
-          <a:bodyPr wrap="square">
-            <a:spAutoFit/>
-          </a:bodyPr>
-          <a:lstStyle/>
-          <a:p>
-            <a:r>
-              <a:rPr lang="en-US"/>
-              <a:t>Target </a:t>
-            </a:r>
-            <a:r>
-              <a:rPr lang="en-US" dirty="0"/>
-              <a:t>3</a:t>
-            </a:r>
-          </a:p>
-        </p:txBody>
-      </p:sp>
+        </p:grpSpPr>
+        <p:grpSp>
+          <p:nvGrpSpPr>
+            <p:cNvPr id="29" name="Group 28">
+              <a:extLst>
+                <a:ext uri="{FF2B5EF4-FFF2-40B4-BE49-F238E27FC236}">
+                  <a16:creationId xmlns:a16="http://schemas.microsoft.com/office/drawing/2014/main" id="{81B19E5E-496F-1948-9734-2D928678F1B5}"/>
+                </a:ext>
+              </a:extLst>
+            </p:cNvPr>
+            <p:cNvGrpSpPr/>
+            <p:nvPr/>
+          </p:nvGrpSpPr>
+          <p:grpSpPr>
+            <a:xfrm>
+              <a:off x="0" y="935270"/>
+              <a:ext cx="11940646" cy="3189549"/>
+              <a:chOff x="0" y="935270"/>
+              <a:chExt cx="11940646" cy="3189549"/>
+            </a:xfrm>
+          </p:grpSpPr>
+          <p:grpSp>
+            <p:nvGrpSpPr>
+              <p:cNvPr id="12" name="Group 11">
+                <a:extLst>
+                  <a:ext uri="{FF2B5EF4-FFF2-40B4-BE49-F238E27FC236}">
+                    <a16:creationId xmlns:a16="http://schemas.microsoft.com/office/drawing/2014/main" id="{E8D017CD-A0AD-3236-637F-3EC6B55429C1}"/>
+                  </a:ext>
+                </a:extLst>
+              </p:cNvPr>
+              <p:cNvGrpSpPr/>
+              <p:nvPr/>
+            </p:nvGrpSpPr>
+            <p:grpSpPr>
+              <a:xfrm>
+                <a:off x="0" y="1304602"/>
+                <a:ext cx="11940646" cy="2820217"/>
+                <a:chOff x="125677" y="1593222"/>
+                <a:chExt cx="11940646" cy="2820217"/>
+              </a:xfrm>
+            </p:grpSpPr>
+            <p:pic>
+              <p:nvPicPr>
+                <p:cNvPr id="5" name="Picture 4">
+                  <a:extLst>
+                    <a:ext uri="{FF2B5EF4-FFF2-40B4-BE49-F238E27FC236}">
+                      <a16:creationId xmlns:a16="http://schemas.microsoft.com/office/drawing/2014/main" id="{BE240AC1-9F88-4BD3-2993-E063CDBB667B}"/>
+                    </a:ext>
+                  </a:extLst>
+                </p:cNvPr>
+                <p:cNvPicPr>
+                  <a:picLocks noChangeAspect="1"/>
+                </p:cNvPicPr>
+                <p:nvPr/>
+              </p:nvPicPr>
+              <p:blipFill>
+                <a:blip r:embed="rId2"/>
+                <a:stretch>
+                  <a:fillRect/>
+                </a:stretch>
+              </p:blipFill>
+              <p:spPr>
+                <a:xfrm>
+                  <a:off x="125677" y="1593222"/>
+                  <a:ext cx="3867561" cy="2771088"/>
+                </a:xfrm>
+                <a:prstGeom prst="rect">
+                  <a:avLst/>
+                </a:prstGeom>
+              </p:spPr>
+            </p:pic>
+            <p:pic>
+              <p:nvPicPr>
+                <p:cNvPr id="9" name="Picture 8">
+                  <a:extLst>
+                    <a:ext uri="{FF2B5EF4-FFF2-40B4-BE49-F238E27FC236}">
+                      <a16:creationId xmlns:a16="http://schemas.microsoft.com/office/drawing/2014/main" id="{58132E4A-12C7-AE9D-ACE2-FF6F79E7FD7A}"/>
+                    </a:ext>
+                  </a:extLst>
+                </p:cNvPr>
+                <p:cNvPicPr>
+                  <a:picLocks noChangeAspect="1"/>
+                </p:cNvPicPr>
+                <p:nvPr/>
+              </p:nvPicPr>
+              <p:blipFill>
+                <a:blip r:embed="rId3"/>
+                <a:stretch>
+                  <a:fillRect/>
+                </a:stretch>
+              </p:blipFill>
+              <p:spPr>
+                <a:xfrm>
+                  <a:off x="8051037" y="1664055"/>
+                  <a:ext cx="4015286" cy="2749384"/>
+                </a:xfrm>
+                <a:prstGeom prst="rect">
+                  <a:avLst/>
+                </a:prstGeom>
+              </p:spPr>
+            </p:pic>
+            <p:pic>
+              <p:nvPicPr>
+                <p:cNvPr id="11" name="Picture 10">
+                  <a:extLst>
+                    <a:ext uri="{FF2B5EF4-FFF2-40B4-BE49-F238E27FC236}">
+                      <a16:creationId xmlns:a16="http://schemas.microsoft.com/office/drawing/2014/main" id="{9E7654C7-6A2B-DF57-947B-A39D1A08C9D7}"/>
+                    </a:ext>
+                  </a:extLst>
+                </p:cNvPr>
+                <p:cNvPicPr>
+                  <a:picLocks noChangeAspect="1"/>
+                </p:cNvPicPr>
+                <p:nvPr/>
+              </p:nvPicPr>
+              <p:blipFill>
+                <a:blip r:embed="rId4"/>
+                <a:stretch>
+                  <a:fillRect/>
+                </a:stretch>
+              </p:blipFill>
+              <p:spPr>
+                <a:xfrm>
+                  <a:off x="4052617" y="1627373"/>
+                  <a:ext cx="4037014" cy="2771087"/>
+                </a:xfrm>
+                <a:prstGeom prst="rect">
+                  <a:avLst/>
+                </a:prstGeom>
+              </p:spPr>
+            </p:pic>
+          </p:grpSp>
+          <p:sp>
+            <p:nvSpPr>
+              <p:cNvPr id="26" name="TextBox 25">
+                <a:extLst>
+                  <a:ext uri="{FF2B5EF4-FFF2-40B4-BE49-F238E27FC236}">
+                    <a16:creationId xmlns:a16="http://schemas.microsoft.com/office/drawing/2014/main" id="{9C7538B7-165F-6F05-96C6-A7C979930097}"/>
+                  </a:ext>
+                </a:extLst>
+              </p:cNvPr>
+              <p:cNvSpPr txBox="1"/>
+              <p:nvPr/>
+            </p:nvSpPr>
+            <p:spPr>
+              <a:xfrm>
+                <a:off x="1818640" y="935270"/>
+                <a:ext cx="1087120" cy="369332"/>
+              </a:xfrm>
+              <a:prstGeom prst="rect">
+                <a:avLst/>
+              </a:prstGeom>
+              <a:noFill/>
+            </p:spPr>
+            <p:txBody>
+              <a:bodyPr wrap="square">
+                <a:spAutoFit/>
+              </a:bodyPr>
+              <a:lstStyle/>
+              <a:p>
+                <a:r>
+                  <a:rPr lang="en-US" dirty="0"/>
+                  <a:t>Target 1</a:t>
+                </a:r>
+              </a:p>
+            </p:txBody>
+          </p:sp>
+          <p:sp>
+            <p:nvSpPr>
+              <p:cNvPr id="27" name="TextBox 26">
+                <a:extLst>
+                  <a:ext uri="{FF2B5EF4-FFF2-40B4-BE49-F238E27FC236}">
+                    <a16:creationId xmlns:a16="http://schemas.microsoft.com/office/drawing/2014/main" id="{F4EC3CF1-B54D-4AB6-F451-F13AC3571E6A}"/>
+                  </a:ext>
+                </a:extLst>
+              </p:cNvPr>
+              <p:cNvSpPr txBox="1"/>
+              <p:nvPr/>
+            </p:nvSpPr>
+            <p:spPr>
+              <a:xfrm>
+                <a:off x="5824220" y="956517"/>
+                <a:ext cx="1087120" cy="369332"/>
+              </a:xfrm>
+              <a:prstGeom prst="rect">
+                <a:avLst/>
+              </a:prstGeom>
+              <a:noFill/>
+            </p:spPr>
+            <p:txBody>
+              <a:bodyPr wrap="square">
+                <a:spAutoFit/>
+              </a:bodyPr>
+              <a:lstStyle/>
+              <a:p>
+                <a:r>
+                  <a:rPr lang="en-US" dirty="0"/>
+                  <a:t>Target 2</a:t>
+                </a:r>
+              </a:p>
+            </p:txBody>
+          </p:sp>
+          <p:sp>
+            <p:nvSpPr>
+              <p:cNvPr id="28" name="TextBox 27">
+                <a:extLst>
+                  <a:ext uri="{FF2B5EF4-FFF2-40B4-BE49-F238E27FC236}">
+                    <a16:creationId xmlns:a16="http://schemas.microsoft.com/office/drawing/2014/main" id="{D6115446-F2E1-72FF-0B19-41E71BBAA075}"/>
+                  </a:ext>
+                </a:extLst>
+              </p:cNvPr>
+              <p:cNvSpPr txBox="1"/>
+              <p:nvPr/>
+            </p:nvSpPr>
+            <p:spPr>
+              <a:xfrm>
+                <a:off x="9767141" y="956517"/>
+                <a:ext cx="1087120" cy="369332"/>
+              </a:xfrm>
+              <a:prstGeom prst="rect">
+                <a:avLst/>
+              </a:prstGeom>
+              <a:noFill/>
+            </p:spPr>
+            <p:txBody>
+              <a:bodyPr wrap="square">
+                <a:spAutoFit/>
+              </a:bodyPr>
+              <a:lstStyle/>
+              <a:p>
+                <a:r>
+                  <a:rPr lang="en-US" dirty="0"/>
+                  <a:t>Target 3</a:t>
+                </a:r>
+              </a:p>
+            </p:txBody>
+          </p:sp>
+        </p:grpSp>
+        <p:sp>
+          <p:nvSpPr>
+            <p:cNvPr id="30" name="Rectangle 29">
+              <a:extLst>
+                <a:ext uri="{FF2B5EF4-FFF2-40B4-BE49-F238E27FC236}">
+                  <a16:creationId xmlns:a16="http://schemas.microsoft.com/office/drawing/2014/main" id="{46183C2E-C8F0-8C8B-BC85-9BDBE84445FF}"/>
+                </a:ext>
+              </a:extLst>
+            </p:cNvPr>
+            <p:cNvSpPr/>
+            <p:nvPr/>
+          </p:nvSpPr>
+          <p:spPr>
+            <a:xfrm>
+              <a:off x="2346826" y="1627371"/>
+              <a:ext cx="1154430" cy="335589"/>
+            </a:xfrm>
+            <a:prstGeom prst="rect">
+              <a:avLst/>
+            </a:prstGeom>
+            <a:noFill/>
+            <a:ln w="9525"/>
+          </p:spPr>
+          <p:style>
+            <a:lnRef idx="2">
+              <a:schemeClr val="accent1">
+                <a:shade val="15000"/>
+              </a:schemeClr>
+            </a:lnRef>
+            <a:fillRef idx="1">
+              <a:schemeClr val="accent1"/>
+            </a:fillRef>
+            <a:effectRef idx="0">
+              <a:schemeClr val="accent1"/>
+            </a:effectRef>
+            <a:fontRef idx="minor">
+              <a:schemeClr val="lt1"/>
+            </a:fontRef>
+          </p:style>
+          <p:txBody>
+            <a:bodyPr rtlCol="0" anchor="ctr"/>
+            <a:lstStyle/>
+            <a:p>
+              <a:pPr algn="r" defTabSz="685800"/>
+              <a:endParaRPr lang="en-US" sz="1000" dirty="0">
+                <a:solidFill>
+                  <a:schemeClr val="tx1"/>
+                </a:solidFill>
+              </a:endParaRPr>
+            </a:p>
+          </p:txBody>
+        </p:sp>
+        <p:cxnSp>
+          <p:nvCxnSpPr>
+            <p:cNvPr id="31" name="Straight Connector 30">
+              <a:extLst>
+                <a:ext uri="{FF2B5EF4-FFF2-40B4-BE49-F238E27FC236}">
+                  <a16:creationId xmlns:a16="http://schemas.microsoft.com/office/drawing/2014/main" id="{7F50A23C-1BEC-6C2D-CB66-4852A3023EBB}"/>
+                </a:ext>
+              </a:extLst>
+            </p:cNvPr>
+            <p:cNvCxnSpPr>
+              <a:cxnSpLocks/>
+            </p:cNvCxnSpPr>
+            <p:nvPr/>
+          </p:nvCxnSpPr>
+          <p:spPr>
+            <a:xfrm>
+              <a:off x="2403975" y="1715549"/>
+              <a:ext cx="369570" cy="0"/>
+            </a:xfrm>
+            <a:prstGeom prst="line">
+              <a:avLst/>
+            </a:prstGeom>
+            <a:ln>
+              <a:solidFill>
+                <a:srgbClr val="2178B5"/>
+              </a:solidFill>
+            </a:ln>
+          </p:spPr>
+          <p:style>
+            <a:lnRef idx="2">
+              <a:schemeClr val="accent1"/>
+            </a:lnRef>
+            <a:fillRef idx="0">
+              <a:schemeClr val="accent1"/>
+            </a:fillRef>
+            <a:effectRef idx="1">
+              <a:schemeClr val="accent1"/>
+            </a:effectRef>
+            <a:fontRef idx="minor">
+              <a:schemeClr val="tx1"/>
+            </a:fontRef>
+          </p:style>
+        </p:cxnSp>
+        <p:cxnSp>
+          <p:nvCxnSpPr>
+            <p:cNvPr id="32" name="Straight Connector 31">
+              <a:extLst>
+                <a:ext uri="{FF2B5EF4-FFF2-40B4-BE49-F238E27FC236}">
+                  <a16:creationId xmlns:a16="http://schemas.microsoft.com/office/drawing/2014/main" id="{05325FDF-2F03-9F21-2E2C-CEEABC3646FC}"/>
+                </a:ext>
+              </a:extLst>
+            </p:cNvPr>
+            <p:cNvCxnSpPr>
+              <a:cxnSpLocks/>
+            </p:cNvCxnSpPr>
+            <p:nvPr/>
+          </p:nvCxnSpPr>
+          <p:spPr>
+            <a:xfrm>
+              <a:off x="2403975" y="1866044"/>
+              <a:ext cx="369570" cy="0"/>
+            </a:xfrm>
+            <a:prstGeom prst="line">
+              <a:avLst/>
+            </a:prstGeom>
+            <a:ln>
+              <a:solidFill>
+                <a:srgbClr val="FF851A"/>
+              </a:solidFill>
+            </a:ln>
+          </p:spPr>
+          <p:style>
+            <a:lnRef idx="2">
+              <a:schemeClr val="accent1"/>
+            </a:lnRef>
+            <a:fillRef idx="0">
+              <a:schemeClr val="accent1"/>
+            </a:fillRef>
+            <a:effectRef idx="1">
+              <a:schemeClr val="accent1"/>
+            </a:effectRef>
+            <a:fontRef idx="minor">
+              <a:schemeClr val="tx1"/>
+            </a:fontRef>
+          </p:style>
+        </p:cxnSp>
+        <p:sp>
+          <p:nvSpPr>
+            <p:cNvPr id="33" name="TextBox 32">
+              <a:extLst>
+                <a:ext uri="{FF2B5EF4-FFF2-40B4-BE49-F238E27FC236}">
+                  <a16:creationId xmlns:a16="http://schemas.microsoft.com/office/drawing/2014/main" id="{13214DBB-92A9-1997-05C7-DAB45E2220D5}"/>
+                </a:ext>
+              </a:extLst>
+            </p:cNvPr>
+            <p:cNvSpPr txBox="1"/>
+            <p:nvPr/>
+          </p:nvSpPr>
+          <p:spPr>
+            <a:xfrm>
+              <a:off x="2799278" y="1627372"/>
+              <a:ext cx="742700" cy="492443"/>
+            </a:xfrm>
+            <a:prstGeom prst="rect">
+              <a:avLst/>
+            </a:prstGeom>
+            <a:noFill/>
+          </p:spPr>
+          <p:txBody>
+            <a:bodyPr wrap="square" rtlCol="0">
+              <a:spAutoFit/>
+            </a:bodyPr>
+            <a:lstStyle/>
+            <a:p>
+              <a:pPr defTabSz="685800"/>
+              <a:r>
+                <a:rPr lang="en-US" sz="800" dirty="0">
+                  <a:solidFill>
+                    <a:schemeClr val="tx1"/>
+                  </a:solidFill>
+                </a:rPr>
+                <a:t>Training</a:t>
+              </a:r>
+            </a:p>
+            <a:p>
+              <a:r>
+                <a:rPr lang="en-US" sz="800" dirty="0">
+                  <a:solidFill>
+                    <a:schemeClr val="tx1"/>
+                  </a:solidFill>
+                </a:rPr>
+                <a:t>Validation</a:t>
+              </a:r>
+            </a:p>
+            <a:p>
+              <a:endParaRPr lang="en-US" sz="1000" dirty="0"/>
+            </a:p>
+          </p:txBody>
+        </p:sp>
+        <p:sp>
+          <p:nvSpPr>
+            <p:cNvPr id="34" name="Rectangle 33">
+              <a:extLst>
+                <a:ext uri="{FF2B5EF4-FFF2-40B4-BE49-F238E27FC236}">
+                  <a16:creationId xmlns:a16="http://schemas.microsoft.com/office/drawing/2014/main" id="{DD8651B1-A7F9-8067-CDCC-AF78DFFC0A53}"/>
+                </a:ext>
+              </a:extLst>
+            </p:cNvPr>
+            <p:cNvSpPr/>
+            <p:nvPr/>
+          </p:nvSpPr>
+          <p:spPr>
+            <a:xfrm>
+              <a:off x="6474293" y="1627370"/>
+              <a:ext cx="1154430" cy="335589"/>
+            </a:xfrm>
+            <a:prstGeom prst="rect">
+              <a:avLst/>
+            </a:prstGeom>
+            <a:noFill/>
+            <a:ln w="9525"/>
+          </p:spPr>
+          <p:style>
+            <a:lnRef idx="2">
+              <a:schemeClr val="accent1">
+                <a:shade val="15000"/>
+              </a:schemeClr>
+            </a:lnRef>
+            <a:fillRef idx="1">
+              <a:schemeClr val="accent1"/>
+            </a:fillRef>
+            <a:effectRef idx="0">
+              <a:schemeClr val="accent1"/>
+            </a:effectRef>
+            <a:fontRef idx="minor">
+              <a:schemeClr val="lt1"/>
+            </a:fontRef>
+          </p:style>
+          <p:txBody>
+            <a:bodyPr rtlCol="0" anchor="ctr"/>
+            <a:lstStyle/>
+            <a:p>
+              <a:pPr algn="r" defTabSz="685800"/>
+              <a:endParaRPr lang="en-US" sz="1000" dirty="0">
+                <a:solidFill>
+                  <a:schemeClr val="tx1"/>
+                </a:solidFill>
+              </a:endParaRPr>
+            </a:p>
+          </p:txBody>
+        </p:sp>
+        <p:cxnSp>
+          <p:nvCxnSpPr>
+            <p:cNvPr id="35" name="Straight Connector 34">
+              <a:extLst>
+                <a:ext uri="{FF2B5EF4-FFF2-40B4-BE49-F238E27FC236}">
+                  <a16:creationId xmlns:a16="http://schemas.microsoft.com/office/drawing/2014/main" id="{1809C023-0E8C-9A64-CC7B-FAD466E33601}"/>
+                </a:ext>
+              </a:extLst>
+            </p:cNvPr>
+            <p:cNvCxnSpPr>
+              <a:cxnSpLocks/>
+            </p:cNvCxnSpPr>
+            <p:nvPr/>
+          </p:nvCxnSpPr>
+          <p:spPr>
+            <a:xfrm>
+              <a:off x="6531442" y="1715548"/>
+              <a:ext cx="369570" cy="0"/>
+            </a:xfrm>
+            <a:prstGeom prst="line">
+              <a:avLst/>
+            </a:prstGeom>
+            <a:ln>
+              <a:solidFill>
+                <a:srgbClr val="2178B5"/>
+              </a:solidFill>
+            </a:ln>
+          </p:spPr>
+          <p:style>
+            <a:lnRef idx="2">
+              <a:schemeClr val="accent1"/>
+            </a:lnRef>
+            <a:fillRef idx="0">
+              <a:schemeClr val="accent1"/>
+            </a:fillRef>
+            <a:effectRef idx="1">
+              <a:schemeClr val="accent1"/>
+            </a:effectRef>
+            <a:fontRef idx="minor">
+              <a:schemeClr val="tx1"/>
+            </a:fontRef>
+          </p:style>
+        </p:cxnSp>
+        <p:cxnSp>
+          <p:nvCxnSpPr>
+            <p:cNvPr id="36" name="Straight Connector 35">
+              <a:extLst>
+                <a:ext uri="{FF2B5EF4-FFF2-40B4-BE49-F238E27FC236}">
+                  <a16:creationId xmlns:a16="http://schemas.microsoft.com/office/drawing/2014/main" id="{BD36C368-6AE6-0CCC-0180-FB3FBC1A0670}"/>
+                </a:ext>
+              </a:extLst>
+            </p:cNvPr>
+            <p:cNvCxnSpPr>
+              <a:cxnSpLocks/>
+            </p:cNvCxnSpPr>
+            <p:nvPr/>
+          </p:nvCxnSpPr>
+          <p:spPr>
+            <a:xfrm>
+              <a:off x="6531442" y="1866043"/>
+              <a:ext cx="369570" cy="0"/>
+            </a:xfrm>
+            <a:prstGeom prst="line">
+              <a:avLst/>
+            </a:prstGeom>
+            <a:ln>
+              <a:solidFill>
+                <a:srgbClr val="FF851A"/>
+              </a:solidFill>
+            </a:ln>
+          </p:spPr>
+          <p:style>
+            <a:lnRef idx="2">
+              <a:schemeClr val="accent1"/>
+            </a:lnRef>
+            <a:fillRef idx="0">
+              <a:schemeClr val="accent1"/>
+            </a:fillRef>
+            <a:effectRef idx="1">
+              <a:schemeClr val="accent1"/>
+            </a:effectRef>
+            <a:fontRef idx="minor">
+              <a:schemeClr val="tx1"/>
+            </a:fontRef>
+          </p:style>
+        </p:cxnSp>
+        <p:sp>
+          <p:nvSpPr>
+            <p:cNvPr id="37" name="TextBox 36">
+              <a:extLst>
+                <a:ext uri="{FF2B5EF4-FFF2-40B4-BE49-F238E27FC236}">
+                  <a16:creationId xmlns:a16="http://schemas.microsoft.com/office/drawing/2014/main" id="{4E81635D-89F3-122D-06E8-7C2475930C19}"/>
+                </a:ext>
+              </a:extLst>
+            </p:cNvPr>
+            <p:cNvSpPr txBox="1"/>
+            <p:nvPr/>
+          </p:nvSpPr>
+          <p:spPr>
+            <a:xfrm>
+              <a:off x="6926745" y="1627371"/>
+              <a:ext cx="742700" cy="492443"/>
+            </a:xfrm>
+            <a:prstGeom prst="rect">
+              <a:avLst/>
+            </a:prstGeom>
+            <a:noFill/>
+          </p:spPr>
+          <p:txBody>
+            <a:bodyPr wrap="square" rtlCol="0">
+              <a:spAutoFit/>
+            </a:bodyPr>
+            <a:lstStyle/>
+            <a:p>
+              <a:pPr defTabSz="685800"/>
+              <a:r>
+                <a:rPr lang="en-US" sz="800" dirty="0">
+                  <a:solidFill>
+                    <a:schemeClr val="tx1"/>
+                  </a:solidFill>
+                </a:rPr>
+                <a:t>Training</a:t>
+              </a:r>
+            </a:p>
+            <a:p>
+              <a:r>
+                <a:rPr lang="en-US" sz="800" dirty="0">
+                  <a:solidFill>
+                    <a:schemeClr val="tx1"/>
+                  </a:solidFill>
+                </a:rPr>
+                <a:t>Validation</a:t>
+              </a:r>
+            </a:p>
+            <a:p>
+              <a:endParaRPr lang="en-US" sz="1000" dirty="0"/>
+            </a:p>
+          </p:txBody>
+        </p:sp>
+        <p:sp>
+          <p:nvSpPr>
+            <p:cNvPr id="38" name="Rectangle 37">
+              <a:extLst>
+                <a:ext uri="{FF2B5EF4-FFF2-40B4-BE49-F238E27FC236}">
+                  <a16:creationId xmlns:a16="http://schemas.microsoft.com/office/drawing/2014/main" id="{BAD4785D-8087-D5D3-600B-20526CBD9BCF}"/>
+                </a:ext>
+              </a:extLst>
+            </p:cNvPr>
+            <p:cNvSpPr/>
+            <p:nvPr/>
+          </p:nvSpPr>
+          <p:spPr>
+            <a:xfrm>
+              <a:off x="10511307" y="1703742"/>
+              <a:ext cx="1154430" cy="335589"/>
+            </a:xfrm>
+            <a:prstGeom prst="rect">
+              <a:avLst/>
+            </a:prstGeom>
+            <a:noFill/>
+            <a:ln w="9525"/>
+          </p:spPr>
+          <p:style>
+            <a:lnRef idx="2">
+              <a:schemeClr val="accent1">
+                <a:shade val="15000"/>
+              </a:schemeClr>
+            </a:lnRef>
+            <a:fillRef idx="1">
+              <a:schemeClr val="accent1"/>
+            </a:fillRef>
+            <a:effectRef idx="0">
+              <a:schemeClr val="accent1"/>
+            </a:effectRef>
+            <a:fontRef idx="minor">
+              <a:schemeClr val="lt1"/>
+            </a:fontRef>
+          </p:style>
+          <p:txBody>
+            <a:bodyPr rtlCol="0" anchor="ctr"/>
+            <a:lstStyle/>
+            <a:p>
+              <a:pPr algn="r" defTabSz="685800"/>
+              <a:endParaRPr lang="en-US" sz="1000" dirty="0">
+                <a:solidFill>
+                  <a:schemeClr val="tx1"/>
+                </a:solidFill>
+              </a:endParaRPr>
+            </a:p>
+          </p:txBody>
+        </p:sp>
+        <p:cxnSp>
+          <p:nvCxnSpPr>
+            <p:cNvPr id="39" name="Straight Connector 38">
+              <a:extLst>
+                <a:ext uri="{FF2B5EF4-FFF2-40B4-BE49-F238E27FC236}">
+                  <a16:creationId xmlns:a16="http://schemas.microsoft.com/office/drawing/2014/main" id="{1C140688-DB27-619A-F2C8-942706A4B53D}"/>
+                </a:ext>
+              </a:extLst>
+            </p:cNvPr>
+            <p:cNvCxnSpPr>
+              <a:cxnSpLocks/>
+            </p:cNvCxnSpPr>
+            <p:nvPr/>
+          </p:nvCxnSpPr>
+          <p:spPr>
+            <a:xfrm>
+              <a:off x="10568456" y="1791920"/>
+              <a:ext cx="369570" cy="0"/>
+            </a:xfrm>
+            <a:prstGeom prst="line">
+              <a:avLst/>
+            </a:prstGeom>
+            <a:ln>
+              <a:solidFill>
+                <a:srgbClr val="2178B5"/>
+              </a:solidFill>
+            </a:ln>
+          </p:spPr>
+          <p:style>
+            <a:lnRef idx="2">
+              <a:schemeClr val="accent1"/>
+            </a:lnRef>
+            <a:fillRef idx="0">
+              <a:schemeClr val="accent1"/>
+            </a:fillRef>
+            <a:effectRef idx="1">
+              <a:schemeClr val="accent1"/>
+            </a:effectRef>
+            <a:fontRef idx="minor">
+              <a:schemeClr val="tx1"/>
+            </a:fontRef>
+          </p:style>
+        </p:cxnSp>
+        <p:cxnSp>
+          <p:nvCxnSpPr>
+            <p:cNvPr id="40" name="Straight Connector 39">
+              <a:extLst>
+                <a:ext uri="{FF2B5EF4-FFF2-40B4-BE49-F238E27FC236}">
+                  <a16:creationId xmlns:a16="http://schemas.microsoft.com/office/drawing/2014/main" id="{BF7434B9-42F2-0436-348A-A1712A1154E4}"/>
+                </a:ext>
+              </a:extLst>
+            </p:cNvPr>
+            <p:cNvCxnSpPr>
+              <a:cxnSpLocks/>
+            </p:cNvCxnSpPr>
+            <p:nvPr/>
+          </p:nvCxnSpPr>
+          <p:spPr>
+            <a:xfrm>
+              <a:off x="10568456" y="1942415"/>
+              <a:ext cx="369570" cy="0"/>
+            </a:xfrm>
+            <a:prstGeom prst="line">
+              <a:avLst/>
+            </a:prstGeom>
+            <a:ln>
+              <a:solidFill>
+                <a:srgbClr val="FF851A"/>
+              </a:solidFill>
+            </a:ln>
+          </p:spPr>
+          <p:style>
+            <a:lnRef idx="2">
+              <a:schemeClr val="accent1"/>
+            </a:lnRef>
+            <a:fillRef idx="0">
+              <a:schemeClr val="accent1"/>
+            </a:fillRef>
+            <a:effectRef idx="1">
+              <a:schemeClr val="accent1"/>
+            </a:effectRef>
+            <a:fontRef idx="minor">
+              <a:schemeClr val="tx1"/>
+            </a:fontRef>
+          </p:style>
+        </p:cxnSp>
+        <p:sp>
+          <p:nvSpPr>
+            <p:cNvPr id="41" name="TextBox 40">
+              <a:extLst>
+                <a:ext uri="{FF2B5EF4-FFF2-40B4-BE49-F238E27FC236}">
+                  <a16:creationId xmlns:a16="http://schemas.microsoft.com/office/drawing/2014/main" id="{4734FAE1-25C4-3923-C06B-5D5C09051A43}"/>
+                </a:ext>
+              </a:extLst>
+            </p:cNvPr>
+            <p:cNvSpPr txBox="1"/>
+            <p:nvPr/>
+          </p:nvSpPr>
+          <p:spPr>
+            <a:xfrm>
+              <a:off x="10963759" y="1703743"/>
+              <a:ext cx="742700" cy="492443"/>
+            </a:xfrm>
+            <a:prstGeom prst="rect">
+              <a:avLst/>
+            </a:prstGeom>
+            <a:noFill/>
+          </p:spPr>
+          <p:txBody>
+            <a:bodyPr wrap="square" rtlCol="0">
+              <a:spAutoFit/>
+            </a:bodyPr>
+            <a:lstStyle/>
+            <a:p>
+              <a:pPr defTabSz="685800"/>
+              <a:r>
+                <a:rPr lang="en-US" sz="800" dirty="0">
+                  <a:solidFill>
+                    <a:schemeClr val="tx1"/>
+                  </a:solidFill>
+                </a:rPr>
+                <a:t>Training</a:t>
+              </a:r>
+            </a:p>
+            <a:p>
+              <a:r>
+                <a:rPr lang="en-US" sz="800" dirty="0">
+                  <a:solidFill>
+                    <a:schemeClr val="tx1"/>
+                  </a:solidFill>
+                </a:rPr>
+                <a:t>Validation</a:t>
+              </a:r>
+            </a:p>
+            <a:p>
+              <a:endParaRPr lang="en-US" sz="1000" dirty="0"/>
+            </a:p>
+          </p:txBody>
+        </p:sp>
+      </p:grpSp>
     </p:spTree>
     <p:extLst>
       <p:ext uri="{BB962C8B-B14F-4D97-AF65-F5344CB8AC3E}">
